--- a/Persona2.pptx
+++ b/Persona2.pptx
@@ -104,125 +104,12 @@
       </a:defRPr>
     </a:lvl9pPr>
   </p:defaultTextStyle>
+  <p:extLst>
+    <p:ext uri="{EFAFB233-063F-42B5-8137-9DF3F51BA10A}">
+      <p15:sldGuideLst xmlns:p15="http://schemas.microsoft.com/office/powerpoint/2012/main"/>
+    </p:ext>
+  </p:extLst>
 </p:presentation>
-</file>
-
-<file path=ppt/ink/ink1.xml><?xml version="1.0" encoding="utf-8"?>
-<inkml:ink xmlns:inkml="http://www.w3.org/2003/InkML">
-  <inkml:definitions>
-    <inkml:context xml:id="ctx0">
-      <inkml:inkSource xml:id="inkSrc0">
-        <inkml:traceFormat>
-          <inkml:channel name="X" type="integer" min="-2.14748E9" max="2.14748E9" units="cm"/>
-          <inkml:channel name="Y" type="integer" min="-2.14748E9" max="2.14748E9" units="cm"/>
-          <inkml:channel name="F" type="integer" max="32767" units="dev"/>
-        </inkml:traceFormat>
-        <inkml:channelProperties>
-          <inkml:channelProperty channel="X" name="resolution" value="1000" units="1/cm"/>
-          <inkml:channelProperty channel="Y" name="resolution" value="1000" units="1/cm"/>
-          <inkml:channelProperty channel="F" name="resolution" value="0" units="1/dev"/>
-        </inkml:channelProperties>
-      </inkml:inkSource>
-      <inkml:timestamp xml:id="ts0" timeString="2023-09-21T12:12:40.235"/>
-    </inkml:context>
-    <inkml:brush xml:id="br0">
-      <inkml:brushProperty name="width" value="0.35" units="cm"/>
-      <inkml:brushProperty name="height" value="0.35" units="cm"/>
-    </inkml:brush>
-  </inkml:definitions>
-  <inkml:trace contextRef="#ctx0" brushRef="#br0">0 83 24575,'93'1'0,"101"-3"0,-113-10 0,-54 7 0,47-3 0,2 7 0,-42 2 0,0-1 0,-1-2 0,59-11 0,37-14 0,-90 21 0,0 1 0,1 2 0,-1 2 0,43 4 0,7 0 0,1025-3 0,-1092 1 0,0 2 0,39 9 0,-11-2 0,4 1 0,-33-6 0,0-1 0,38 2 0,621-5 0,-322-3 0,601 2 0,-935-1 0,-1-2 0,1-1 0,-1 0 0,27-10 0,-26 7 0,0 1 0,1 1 0,42-3 0,89 9-1365</inkml:trace>
-</inkml:ink>
-</file>
-
-<file path=ppt/ink/ink2.xml><?xml version="1.0" encoding="utf-8"?>
-<inkml:ink xmlns:inkml="http://www.w3.org/2003/InkML">
-  <inkml:definitions>
-    <inkml:context xml:id="ctx0">
-      <inkml:inkSource xml:id="inkSrc0">
-        <inkml:traceFormat>
-          <inkml:channel name="X" type="integer" min="-2.14748E9" max="2.14748E9" units="cm"/>
-          <inkml:channel name="Y" type="integer" min="-2.14748E9" max="2.14748E9" units="cm"/>
-          <inkml:channel name="F" type="integer" max="32767" units="dev"/>
-        </inkml:traceFormat>
-        <inkml:channelProperties>
-          <inkml:channelProperty channel="X" name="resolution" value="1000" units="1/cm"/>
-          <inkml:channelProperty channel="Y" name="resolution" value="1000" units="1/cm"/>
-          <inkml:channelProperty channel="F" name="resolution" value="0" units="1/dev"/>
-        </inkml:channelProperties>
-      </inkml:inkSource>
-      <inkml:timestamp xml:id="ts0" timeString="2023-09-21T12:12:44.436"/>
-    </inkml:context>
-    <inkml:brush xml:id="br0">
-      <inkml:brushProperty name="width" value="0.1" units="cm"/>
-      <inkml:brushProperty name="height" value="0.1" units="cm"/>
-      <inkml:brushProperty name="color" value="#AE198D"/>
-      <inkml:brushProperty name="inkEffects" value="galaxy"/>
-      <inkml:brushProperty name="anchorX" value="0"/>
-      <inkml:brushProperty name="anchorY" value="0"/>
-      <inkml:brushProperty name="scaleFactor" value="0.5"/>
-    </inkml:brush>
-  </inkml:definitions>
-  <inkml:trace contextRef="#ctx0" brushRef="#br0">28 22 24575,'0'0'0,"-5"0"0,-1 5 0,1 6 0,1 5 0,1 4 0,1 3 0,0 2 0,2 2 0,0 0 0,0-11 0,0-10 0,1-11 0,-1-9 0,0-6 0,0-5 0,0-2 0,0 9 0,0 11 0,0 11 0,0 9 0,0 7 0,5-1 0,0 3 0,1 0 0,-2 2 0,-1 0 0,-1 2 0,-1-1 0,0-9 0,-1-11 0,0-10 0,-1-9 0,1-7 0,0-4 0,0-2 0,0-1 0,0 0 0,0 1 0,0-1 0,0 12 0,0 10 0,0 12 0,0 8 0,0 7 0,0 4 0,0 2 0,0-9 0,0-11 0,0-11 0,0-9 0,0-7 0,0-4 0,0-3 0,0-1 0,0 0 0,0 11 0,0 10 0,0 12 0,0 9 0,5 1 0,1 4 0,-1 3 0,0 2 0,3-4 0,-1 0 0,0 1 0,-2-9 0,-2-10 0,-1-9 0,-1-8 0,4-1 0,0-4 0,0-1 0,-1-3 0,-1 0 0,-1-2 0,4 5 0,-1 11 0,1 10 0,-2 9 0,4 4 0,-1 4 0,-1 3 0,-1 3 0,-2 2 0,-1 1 0,4-5 0,5-5 0,-1-10 0,0-10 0,-3-9 0,-2-7 0,3 2 0,-1-3 0,-1-1 0,-2-2 0,-1 0 0,-2-2 0,0 11 0,-1 10 0,0 10 0,0 10 0,-1 5 0,1 5 0,0 1 0,0 2 0,-5-5 0,-1 0 0,1-1 0,-5-5 0,2 1 0,-5-4 0,2-9 0,2-10 0,-2-2 0,1-6 0,3-5 0,-4 2 0,3-3 0,1-1 0,2-2 0,2-2 0,1-1 0,-4 5 0,1-1 0,-5 6 0,1 8 0,0 11 0,3 8 0,2 6 0,2 5 0,1 3 0,1 1 0,0 1 0,0 0 0,1-1 0,-1 0 0,0-1 0,6-5 0,-1-10 0,0-12 0,0-9 0,-2-2 0</inkml:trace>
-</inkml:ink>
-</file>
-
-<file path=ppt/ink/ink3.xml><?xml version="1.0" encoding="utf-8"?>
-<inkml:ink xmlns:inkml="http://www.w3.org/2003/InkML">
-  <inkml:definitions>
-    <inkml:context xml:id="ctx0">
-      <inkml:inkSource xml:id="inkSrc0">
-        <inkml:traceFormat>
-          <inkml:channel name="X" type="integer" min="-2.14748E9" max="2.14748E9" units="cm"/>
-          <inkml:channel name="Y" type="integer" min="-2.14748E9" max="2.14748E9" units="cm"/>
-          <inkml:channel name="F" type="integer" max="32767" units="dev"/>
-        </inkml:traceFormat>
-        <inkml:channelProperties>
-          <inkml:channelProperty channel="X" name="resolution" value="1000" units="1/cm"/>
-          <inkml:channelProperty channel="Y" name="resolution" value="1000" units="1/cm"/>
-          <inkml:channelProperty channel="F" name="resolution" value="0" units="1/dev"/>
-        </inkml:channelProperties>
-      </inkml:inkSource>
-      <inkml:timestamp xml:id="ts0" timeString="2023-09-21T12:13:05.130"/>
-    </inkml:context>
-    <inkml:brush xml:id="br0">
-      <inkml:brushProperty name="width" value="0.35" units="cm"/>
-      <inkml:brushProperty name="height" value="0.35" units="cm"/>
-    </inkml:brush>
-  </inkml:definitions>
-  <inkml:trace contextRef="#ctx0" brushRef="#br0">0 2 24575,'93'-2'0,"100"5"0,-131 9 0,-45-8 0,-1-1 0,19 2 0,68 8 0,-67-7 0,58 2 0,1424-7 0,-677-3 0,-822 3 0,1 1 0,34 8 0,-33-5 0,0-1 0,24 1 0,-13-3 0,39 8 0,-39-4 0,41 1 0,-51-5 0,0 1 0,24 6 0,-24-5 0,0 0 0,25 1 0,22-6 0,-46 0 0,-1 0 0,0 2 0,1 1 0,42 8 0,84 22 0,-110-26 0,0-1 0,0-2 0,1-2 0,42-5 0,7 2 0,-55 1 0,1-1 0,51-11 0,-26 6 0,0 2 0,1 2 0,60 6 0,-8-1 0,-98-2 35,-3 1-162,-1 0-1,0-1 1,1-1 0,-1 0 0,0-1-1,0 0 1,1 0 0,-2-1-1,1-1 1,18-8 0</inkml:trace>
-</inkml:ink>
-</file>
-
-<file path=ppt/ink/ink4.xml><?xml version="1.0" encoding="utf-8"?>
-<inkml:ink xmlns:inkml="http://www.w3.org/2003/InkML">
-  <inkml:definitions>
-    <inkml:context xml:id="ctx0">
-      <inkml:inkSource xml:id="inkSrc0">
-        <inkml:traceFormat>
-          <inkml:channel name="X" type="integer" min="-2.14748E9" max="2.14748E9" units="cm"/>
-          <inkml:channel name="Y" type="integer" min="-2.14748E9" max="2.14748E9" units="cm"/>
-          <inkml:channel name="F" type="integer" max="32767" units="dev"/>
-        </inkml:traceFormat>
-        <inkml:channelProperties>
-          <inkml:channelProperty channel="X" name="resolution" value="1000" units="1/cm"/>
-          <inkml:channelProperty channel="Y" name="resolution" value="1000" units="1/cm"/>
-          <inkml:channelProperty channel="F" name="resolution" value="0" units="1/dev"/>
-        </inkml:channelProperties>
-      </inkml:inkSource>
-      <inkml:timestamp xml:id="ts0" timeString="2023-09-21T12:13:09.545"/>
-    </inkml:context>
-    <inkml:brush xml:id="br0">
-      <inkml:brushProperty name="width" value="0.1" units="cm"/>
-      <inkml:brushProperty name="height" value="0.1" units="cm"/>
-      <inkml:brushProperty name="color" value="#AE198D"/>
-      <inkml:brushProperty name="inkEffects" value="galaxy"/>
-      <inkml:brushProperty name="anchorX" value="-1066.17017"/>
-      <inkml:brushProperty name="anchorY" value="-1258.45166"/>
-      <inkml:brushProperty name="scaleFactor" value="0.5"/>
-    </inkml:brush>
-  </inkml:definitions>
-  <inkml:trace contextRef="#ctx0" brushRef="#br0">28 352 24575,'0'0'0,"0"-4"0,0-8 0,0-3 0,0-6 0,0-2 0,-5 3 0,-1-1 0,1-1 0,1 0 0,1 8 0,1 11 0,0 9 0,2-2 0,0-4 0,0-7 0,0-7 0,1-5 0,-1-4 0,0-2 0,0 9 0,5 4 0,0 11 0,1 9 0,-2 8 0,-1 5 0,-1 4 0,-1-9 0,0-9 0,-1-11 0,0-9 0,-1-7 0,1 7 0,5 2 0,1 9 0,-1 10 0,0 6 0,-2 7 0,4-3 0,0 3 0,3-4 0,0-9 0,-2-10 0,-1-9 0,-3-7 0,3-5 0,-1-3 0,0-1 0,-2 10 0,-1 10 0,-2 11 0,0 10 0,-1 6 0,0 4 0,0-7 0,-1-10 0,1-11 0,0-8 0,0-8 0,0-4 0,0-2 0,0-2 0,-5 6 0,-6 5 0,1 10 0,0 11 0,3 8 0,1 8 0,3 3 0,-3-2 0,0 2 0,1-1 0,-5-3 0,2 0 0,1 0 0,2 2 0,-4-3 0,2 0 0,1-9 0,1-9 0,2-8 0,1-8 0,7-1 0,0-2 0,6 3 0,-1-2 0,-1-2 0,3 4 0,3 4 0,-2-2 0,3 4 0,2 2 0,-2 8 0,-4 8 0,2 1 0,-4 5 0,-2 5 0,-2 2 0,-3 3 0,4-4 0,-1 1 0,4-5 0,4-4 0,0-10 0,-3-8 0,-3-8 0,-2-5 0,2-5 0,-2-3 0,5 5 0,-2 0 0,-1 0 0,-2 9 0,-2 11 0,-2 9 0,-1 8 0,-1 6 0,-5-1 0,-1 2 0,0 0 0,-4-4 0,2 1 0,-5-4 0,-3-4 0,2 1 0,2-8 0,4-8 0,3-7 0,2-6 0,1-5 0,2-3 0,1-2 0,-1 10 0,-4 5 0,-1 11 0,-6 5 0,2 6 0,0 6 0,-2-1 0,-4-1 0,2 0 0,-3-2 0,-2-3 0,2-8 0,4-8 0,3-7 0,4-6 0,2-3 0,8 2 0,0-1 0,6 0 0,4 4 0,0 0 0,2 4 0,-3 8 0,-3 10 0,-3 8 0,-3 6 0,-3 6 0,-1 1 0,-2 3 0,1-1 0,-6 1 0,0-1 0,-5 0 0,1 0 0,-3-6 0,1-1 0,2 1 0,9-5 0,2-9 0,7-4 0,6-9 0,4-1 0,0-6 0,1 1 0,-3-4 0,2 3 0,0 2 0,-2-1 0,1 2 0,1 2 0,-2-2 0,1 1 0,2 3 0,2 1 0,2 2 0,1 1 0,1 2 0,-5 5 0,-4 5 0,-11 7 0,-9-2 0,-4 4 0,-6-4 0,-4-3 0,1 1 0,-2-3 0,4 3 0,3-8 0,4-7 0,3-8 0,3-7 0,1-5 0,2-2 0,-1-3 0,1 0 0,0-1 0,-1 1 0,1 0 0,-6 6 0,-1 0 0,1 0 0,1-1 0,-4 5 0,0 9 0,2 9 0,-4 5 0,1 6 0,2 5 0,-3-1 0,1-8 0,2-8 0,2 1 0,-3-2 0,1 6 0,1-1 0</inkml:trace>
-</inkml:ink>
 </file>
 
 <file path=ppt/slideLayouts/slideLayout1.xml><?xml version="1.0" encoding="utf-8"?>
@@ -374,7 +261,7 @@
           <a:p>
             <a:fld id="{B5059F38-6467-4DC8-B1C1-04D3BFE32E66}" type="datetimeFigureOut">
               <a:rPr lang="de-CH" smtClean="0"/>
-              <a:t>21.09.2023</a:t>
+              <a:t>19.10.2023</a:t>
             </a:fld>
             <a:endParaRPr lang="de-CH"/>
           </a:p>
@@ -574,7 +461,7 @@
           <a:p>
             <a:fld id="{B5059F38-6467-4DC8-B1C1-04D3BFE32E66}" type="datetimeFigureOut">
               <a:rPr lang="de-CH" smtClean="0"/>
-              <a:t>21.09.2023</a:t>
+              <a:t>19.10.2023</a:t>
             </a:fld>
             <a:endParaRPr lang="de-CH"/>
           </a:p>
@@ -784,7 +671,7 @@
           <a:p>
             <a:fld id="{B5059F38-6467-4DC8-B1C1-04D3BFE32E66}" type="datetimeFigureOut">
               <a:rPr lang="de-CH" smtClean="0"/>
-              <a:t>21.09.2023</a:t>
+              <a:t>19.10.2023</a:t>
             </a:fld>
             <a:endParaRPr lang="de-CH"/>
           </a:p>
@@ -984,7 +871,7 @@
           <a:p>
             <a:fld id="{B5059F38-6467-4DC8-B1C1-04D3BFE32E66}" type="datetimeFigureOut">
               <a:rPr lang="de-CH" smtClean="0"/>
-              <a:t>21.09.2023</a:t>
+              <a:t>19.10.2023</a:t>
             </a:fld>
             <a:endParaRPr lang="de-CH"/>
           </a:p>
@@ -1260,7 +1147,7 @@
           <a:p>
             <a:fld id="{B5059F38-6467-4DC8-B1C1-04D3BFE32E66}" type="datetimeFigureOut">
               <a:rPr lang="de-CH" smtClean="0"/>
-              <a:t>21.09.2023</a:t>
+              <a:t>19.10.2023</a:t>
             </a:fld>
             <a:endParaRPr lang="de-CH"/>
           </a:p>
@@ -1528,7 +1415,7 @@
           <a:p>
             <a:fld id="{B5059F38-6467-4DC8-B1C1-04D3BFE32E66}" type="datetimeFigureOut">
               <a:rPr lang="de-CH" smtClean="0"/>
-              <a:t>21.09.2023</a:t>
+              <a:t>19.10.2023</a:t>
             </a:fld>
             <a:endParaRPr lang="de-CH"/>
           </a:p>
@@ -1943,7 +1830,7 @@
           <a:p>
             <a:fld id="{B5059F38-6467-4DC8-B1C1-04D3BFE32E66}" type="datetimeFigureOut">
               <a:rPr lang="de-CH" smtClean="0"/>
-              <a:t>21.09.2023</a:t>
+              <a:t>19.10.2023</a:t>
             </a:fld>
             <a:endParaRPr lang="de-CH"/>
           </a:p>
@@ -2085,7 +1972,7 @@
           <a:p>
             <a:fld id="{B5059F38-6467-4DC8-B1C1-04D3BFE32E66}" type="datetimeFigureOut">
               <a:rPr lang="de-CH" smtClean="0"/>
-              <a:t>21.09.2023</a:t>
+              <a:t>19.10.2023</a:t>
             </a:fld>
             <a:endParaRPr lang="de-CH"/>
           </a:p>
@@ -2198,7 +2085,7 @@
           <a:p>
             <a:fld id="{B5059F38-6467-4DC8-B1C1-04D3BFE32E66}" type="datetimeFigureOut">
               <a:rPr lang="de-CH" smtClean="0"/>
-              <a:t>21.09.2023</a:t>
+              <a:t>19.10.2023</a:t>
             </a:fld>
             <a:endParaRPr lang="de-CH"/>
           </a:p>
@@ -2511,7 +2398,7 @@
           <a:p>
             <a:fld id="{B5059F38-6467-4DC8-B1C1-04D3BFE32E66}" type="datetimeFigureOut">
               <a:rPr lang="de-CH" smtClean="0"/>
-              <a:t>21.09.2023</a:t>
+              <a:t>19.10.2023</a:t>
             </a:fld>
             <a:endParaRPr lang="de-CH"/>
           </a:p>
@@ -2800,7 +2687,7 @@
           <a:p>
             <a:fld id="{B5059F38-6467-4DC8-B1C1-04D3BFE32E66}" type="datetimeFigureOut">
               <a:rPr lang="de-CH" smtClean="0"/>
-              <a:t>21.09.2023</a:t>
+              <a:t>19.10.2023</a:t>
             </a:fld>
             <a:endParaRPr lang="de-CH"/>
           </a:p>
@@ -3043,7 +2930,7 @@
           <a:p>
             <a:fld id="{B5059F38-6467-4DC8-B1C1-04D3BFE32E66}" type="datetimeFigureOut">
               <a:rPr lang="de-CH" smtClean="0"/>
-              <a:t>21.09.2023</a:t>
+              <a:t>19.10.2023</a:t>
             </a:fld>
             <a:endParaRPr lang="de-CH"/>
           </a:p>
@@ -3525,7 +3412,7 @@
         </p:nvSpPr>
         <p:spPr>
           <a:xfrm>
-            <a:off x="149290" y="3429000"/>
+            <a:off x="-11931" y="3167248"/>
             <a:ext cx="3051110" cy="1655762"/>
           </a:xfrm>
         </p:spPr>
@@ -3570,8 +3457,8 @@
         </p:nvSpPr>
         <p:spPr>
           <a:xfrm>
-            <a:off x="149290" y="5084762"/>
-            <a:ext cx="3051110" cy="2062103"/>
+            <a:off x="132931" y="4823010"/>
+            <a:ext cx="3530889" cy="2308324"/>
           </a:xfrm>
           <a:prstGeom prst="rect">
             <a:avLst/>
@@ -3591,6 +3478,12 @@
             <a:r>
               <a:rPr lang="de-CH" sz="1600" b="1" dirty="0"/>
               <a:t>Metainformationen</a:t>
+            </a:r>
+          </a:p>
+          <a:p>
+            <a:r>
+              <a:rPr lang="de-CH" sz="1600" dirty="0"/>
+              <a:t>Name: Fridolin Josef-Johannes  Steiner</a:t>
             </a:r>
           </a:p>
           <a:p>
@@ -3983,7 +3876,7 @@
           <a:p>
             <a:r>
               <a:rPr lang="de-CH" sz="1600" dirty="0"/>
-              <a:t>Fridolin Josef Steiner wurde bereits in einem frühen im Gebäudeblock B in Butzbach geboren. An besagtem Ort wuchs er auf, lernte Rassen auseinander zu halten, lernte Farben kennen. Leider wurde ihm nie das Lesen und Schreiben beigebracht. Fridolins leben lief sehr gut, bis er im Kindesalter von 15.5 Jahren ausrutschte und den 2-Fachen Familienvater Peter, der als Wächter im Gebäudeblock B arbeitete, mit einer Brechstange erschlug. Dieses Ereignis prägte sein Leben sehr stark. Nach Abschluss seiner Ausbildung als Gebäudeinsasse Fachrichtung Schlafplatztester, nahm er seine Beine in die Hand und ging auf Reisen. Zuerst besuchte er Jamaika, wo er auf ein langes, intensives spirituelles Abenteuer ging. Nach 12 kurzen Jahren auf der Trauminsel, beschloss er zurück in sein Heimatland, Deutschland zu reisen. Dort begann er seiner Ausbildung entsprechend zu arbeiten. Nebenbei machte er eine Ausbildung als Unterarm-</a:t>
+              <a:t>Fridolin Josef-Johannes Steiner wurde bereits in einem frühen Alter im Gebäudeblock B in Butzbach geboren. An besagtem Ort wuchs er auf, lernte Rassen auseinander zu halten und lernte Farben kennen. Leider wurde ihm nie das Lesen und Schreiben beigebracht. Fridolins leben lief sehr gut, bis er im Kindesalter von 15.5 Jahren ausrutschte und den 2-Fachen Familienvater Peter, der als Wächter im Gebäudeblock B arbeitete, mit einer Brechstange erschlug. Dieses Ereignis prägte sein Leben sehr stark. Nach Abschluss seiner Ausbildung als Gebäudeinsasse Fachrichtung Schlafplatztester, nahm er seine Beine in die Hand und ging auf Reisen. Zuerst besuchte er Jamaika, wo er auf ein langes, intensives spirituelles Abenteuer ging. Nach 12 kurzen Jahren auf der Trauminsel, beschloss er zurück in sein Heimatland, Deutschland zu reisen. Dort begann er seiner Ausbildung entsprechend zu arbeiten. Nebenbei machte er eine Ausbildung als Unterarm-</a:t>
             </a:r>
             <a:r>
               <a:rPr lang="de-CH" sz="1600" dirty="0" err="1"/>
@@ -4013,10 +3906,10 @@
       </p:sp>
       <p:sp>
         <p:nvSpPr>
-          <p:cNvPr id="9" name="Textfeld 8">
-            <a:extLst>
-              <a:ext uri="{FF2B5EF4-FFF2-40B4-BE49-F238E27FC236}">
-                <a16:creationId xmlns:a16="http://schemas.microsoft.com/office/drawing/2014/main" id="{3583BA0C-5FA1-FA08-636A-9450E561C026}"/>
+          <p:cNvPr id="15" name="Textfeld 14">
+            <a:extLst>
+              <a:ext uri="{FF2B5EF4-FFF2-40B4-BE49-F238E27FC236}">
+                <a16:creationId xmlns:a16="http://schemas.microsoft.com/office/drawing/2014/main" id="{C3B77EA4-DF6B-0F8D-9D56-1F44C4AB097C}"/>
               </a:ext>
             </a:extLst>
           </p:cNvPr>
@@ -4025,8 +3918,8 @@
         </p:nvSpPr>
         <p:spPr>
           <a:xfrm>
-            <a:off x="3200400" y="2631233"/>
-            <a:ext cx="2250717" cy="338554"/>
+            <a:off x="3644386" y="4303455"/>
+            <a:ext cx="2332896" cy="2800767"/>
           </a:xfrm>
           <a:prstGeom prst="rect">
             <a:avLst/>
@@ -4040,120 +3933,36 @@
           <a:lstStyle/>
           <a:p>
             <a:r>
+              <a:rPr lang="de-CH" sz="1600" b="1" dirty="0"/>
+              <a:t>Nutzen auf Webseite</a:t>
+            </a:r>
+          </a:p>
+          <a:p>
+            <a:r>
               <a:rPr lang="de-CH" sz="1600" dirty="0"/>
-              <a:t>Psychisch Labil:</a:t>
-            </a:r>
-          </a:p>
-        </p:txBody>
-      </p:sp>
-      <mc:AlternateContent xmlns:mc="http://schemas.openxmlformats.org/markup-compatibility/2006">
-        <mc:Choice xmlns:p14="http://schemas.microsoft.com/office/powerpoint/2010/main" Requires="p14">
-          <p:contentPart p14:bwMode="auto" r:id="rId9">
-            <p14:nvContentPartPr>
-              <p14:cNvPr id="10" name="Freihand 9">
-                <a:extLst>
-                  <a:ext uri="{FF2B5EF4-FFF2-40B4-BE49-F238E27FC236}">
-                    <a16:creationId xmlns:a16="http://schemas.microsoft.com/office/drawing/2014/main" id="{81FCFD79-1E4F-7711-363C-7D9CF8354C0B}"/>
-                  </a:ext>
-                </a:extLst>
-              </p14:cNvPr>
-              <p14:cNvContentPartPr/>
-              <p14:nvPr/>
-            </p14:nvContentPartPr>
-            <p14:xfrm>
-              <a:off x="3209488" y="3151734"/>
-              <a:ext cx="1820160" cy="30600"/>
-            </p14:xfrm>
-          </p:contentPart>
-        </mc:Choice>
-        <mc:Fallback>
-          <p:pic>
-            <p:nvPicPr>
-              <p:cNvPr id="10" name="Freihand 9">
-                <a:extLst>
-                  <a:ext uri="{FF2B5EF4-FFF2-40B4-BE49-F238E27FC236}">
-                    <a16:creationId xmlns:a16="http://schemas.microsoft.com/office/drawing/2014/main" id="{81FCFD79-1E4F-7711-363C-7D9CF8354C0B}"/>
-                  </a:ext>
-                </a:extLst>
-              </p:cNvPr>
-              <p:cNvPicPr/>
-              <p:nvPr/>
-            </p:nvPicPr>
-            <p:blipFill>
-              <a:blip r:embed="rId10"/>
-              <a:stretch>
-                <a:fillRect/>
-              </a:stretch>
-            </p:blipFill>
-            <p:spPr>
-              <a:xfrm>
-                <a:off x="3146488" y="3088734"/>
-                <a:ext cx="1945800" cy="156240"/>
-              </a:xfrm>
-              <a:prstGeom prst="rect">
-                <a:avLst/>
-              </a:prstGeom>
-            </p:spPr>
-          </p:pic>
-        </mc:Fallback>
-      </mc:AlternateContent>
-      <mc:AlternateContent xmlns:mc="http://schemas.openxmlformats.org/markup-compatibility/2006">
-        <mc:Choice xmlns:p14="http://schemas.microsoft.com/office/powerpoint/2010/main" xmlns:aink="http://schemas.microsoft.com/office/drawing/2016/ink" Requires="p14 aink">
-          <p:contentPart p14:bwMode="auto" r:id="rId11">
-            <p14:nvContentPartPr>
-              <p14:cNvPr id="11" name="Freihand 10">
-                <a:extLst>
-                  <a:ext uri="{FF2B5EF4-FFF2-40B4-BE49-F238E27FC236}">
-                    <a16:creationId xmlns:a16="http://schemas.microsoft.com/office/drawing/2014/main" id="{A0F9B248-151B-7A46-BD7F-3F62E3EE37B1}"/>
-                  </a:ext>
-                </a:extLst>
-              </p14:cNvPr>
-              <p14:cNvContentPartPr/>
-              <p14:nvPr/>
-            </p14:nvContentPartPr>
-            <p14:xfrm>
-              <a:off x="3152968" y="3127254"/>
-              <a:ext cx="85320" cy="108720"/>
-            </p14:xfrm>
-          </p:contentPart>
-        </mc:Choice>
-        <mc:Fallback>
-          <p:pic>
-            <p:nvPicPr>
-              <p:cNvPr id="11" name="Freihand 10">
-                <a:extLst>
-                  <a:ext uri="{FF2B5EF4-FFF2-40B4-BE49-F238E27FC236}">
-                    <a16:creationId xmlns:a16="http://schemas.microsoft.com/office/drawing/2014/main" id="{A0F9B248-151B-7A46-BD7F-3F62E3EE37B1}"/>
-                  </a:ext>
-                </a:extLst>
-              </p:cNvPr>
-              <p:cNvPicPr/>
-              <p:nvPr/>
-            </p:nvPicPr>
-            <p:blipFill>
-              <a:blip r:embed="rId12"/>
-              <a:stretch>
-                <a:fillRect/>
-              </a:stretch>
-            </p:blipFill>
-            <p:spPr>
-              <a:xfrm>
-                <a:off x="3135328" y="3109614"/>
-                <a:ext cx="120960" cy="144360"/>
-              </a:xfrm>
-              <a:prstGeom prst="rect">
-                <a:avLst/>
-              </a:prstGeom>
-            </p:spPr>
-          </p:pic>
-        </mc:Fallback>
-      </mc:AlternateContent>
-      <p:sp>
-        <p:nvSpPr>
-          <p:cNvPr id="12" name="Textfeld 11">
-            <a:extLst>
-              <a:ext uri="{FF2B5EF4-FFF2-40B4-BE49-F238E27FC236}">
-                <a16:creationId xmlns:a16="http://schemas.microsoft.com/office/drawing/2014/main" id="{91D842D7-EA48-6476-5C1D-ADDE19B6EB52}"/>
+              <a:t>Fridolin will auf unserer neuen Webseite Fussuntersätze für einen </a:t>
+            </a:r>
+            <a:r>
+              <a:rPr lang="de-CH" sz="1600" dirty="0" err="1"/>
+              <a:t>Schnapperpreis</a:t>
+            </a:r>
+            <a:r>
+              <a:rPr lang="de-CH" sz="1600" dirty="0"/>
+              <a:t> abstauben. Dabei erhofft er sich, dass ihm der Text auf der Seite vorgelesen wird, da er nicht Lesefähig ist.</a:t>
+            </a:r>
+            <a:br>
+              <a:rPr lang="de-CH" sz="1600" dirty="0"/>
+            </a:br>
+            <a:endParaRPr lang="de-CH" sz="1600" dirty="0"/>
+          </a:p>
+        </p:txBody>
+      </p:sp>
+      <p:sp>
+        <p:nvSpPr>
+          <p:cNvPr id="3" name="Textfeld 2">
+            <a:extLst>
+              <a:ext uri="{FF2B5EF4-FFF2-40B4-BE49-F238E27FC236}">
+                <a16:creationId xmlns:a16="http://schemas.microsoft.com/office/drawing/2014/main" id="{25A3115B-5E97-B3C8-AE96-0DBDF8BF7698}"/>
               </a:ext>
             </a:extLst>
           </p:cNvPr>
@@ -4162,8 +3971,8 @@
         </p:nvSpPr>
         <p:spPr>
           <a:xfrm>
-            <a:off x="3200400" y="3741576"/>
-            <a:ext cx="2071396" cy="338554"/>
+            <a:off x="3663820" y="2350936"/>
+            <a:ext cx="2525758" cy="1815882"/>
           </a:xfrm>
           <a:prstGeom prst="rect">
             <a:avLst/>
@@ -4177,159 +3986,21 @@
           <a:lstStyle/>
           <a:p>
             <a:r>
+              <a:rPr lang="de-CH" sz="1600" b="1" dirty="0"/>
+              <a:t>Erwartungen an Webseite</a:t>
+            </a:r>
+          </a:p>
+          <a:p>
+            <a:r>
               <a:rPr lang="de-CH" sz="1600" dirty="0"/>
-              <a:t>Finanzielle Mittel</a:t>
-            </a:r>
-          </a:p>
-        </p:txBody>
-      </p:sp>
-      <mc:AlternateContent xmlns:mc="http://schemas.openxmlformats.org/markup-compatibility/2006">
-        <mc:Choice xmlns:p14="http://schemas.microsoft.com/office/powerpoint/2010/main" Requires="p14">
-          <p:contentPart p14:bwMode="auto" r:id="rId13">
-            <p14:nvContentPartPr>
-              <p14:cNvPr id="13" name="Freihand 12">
-                <a:extLst>
-                  <a:ext uri="{FF2B5EF4-FFF2-40B4-BE49-F238E27FC236}">
-                    <a16:creationId xmlns:a16="http://schemas.microsoft.com/office/drawing/2014/main" id="{FE0BFA12-CAED-ABF0-6F02-8EDB6528DDE5}"/>
-                  </a:ext>
-                </a:extLst>
-              </p14:cNvPr>
-              <p14:cNvContentPartPr/>
-              <p14:nvPr/>
-            </p14:nvContentPartPr>
-            <p14:xfrm>
-              <a:off x="3340528" y="4319574"/>
-              <a:ext cx="1801800" cy="68040"/>
-            </p14:xfrm>
-          </p:contentPart>
-        </mc:Choice>
-        <mc:Fallback>
-          <p:pic>
-            <p:nvPicPr>
-              <p:cNvPr id="13" name="Freihand 12">
-                <a:extLst>
-                  <a:ext uri="{FF2B5EF4-FFF2-40B4-BE49-F238E27FC236}">
-                    <a16:creationId xmlns:a16="http://schemas.microsoft.com/office/drawing/2014/main" id="{FE0BFA12-CAED-ABF0-6F02-8EDB6528DDE5}"/>
-                  </a:ext>
-                </a:extLst>
-              </p:cNvPr>
-              <p:cNvPicPr/>
-              <p:nvPr/>
-            </p:nvPicPr>
-            <p:blipFill>
-              <a:blip r:embed="rId14"/>
-              <a:stretch>
-                <a:fillRect/>
-              </a:stretch>
-            </p:blipFill>
-            <p:spPr>
-              <a:xfrm>
-                <a:off x="3277528" y="4256574"/>
-                <a:ext cx="1927440" cy="193680"/>
-              </a:xfrm>
-              <a:prstGeom prst="rect">
-                <a:avLst/>
-              </a:prstGeom>
-            </p:spPr>
-          </p:pic>
-        </mc:Fallback>
-      </mc:AlternateContent>
-      <mc:AlternateContent xmlns:mc="http://schemas.openxmlformats.org/markup-compatibility/2006">
-        <mc:Choice xmlns:p14="http://schemas.microsoft.com/office/powerpoint/2010/main" xmlns:aink="http://schemas.microsoft.com/office/drawing/2016/ink" Requires="p14 aink">
-          <p:contentPart p14:bwMode="auto" r:id="rId15">
-            <p14:nvContentPartPr>
-              <p14:cNvPr id="14" name="Freihand 13">
-                <a:extLst>
-                  <a:ext uri="{FF2B5EF4-FFF2-40B4-BE49-F238E27FC236}">
-                    <a16:creationId xmlns:a16="http://schemas.microsoft.com/office/drawing/2014/main" id="{3BEEEBA0-813A-C5D5-2D15-C0B72C52C728}"/>
-                  </a:ext>
-                </a:extLst>
-              </p14:cNvPr>
-              <p14:cNvContentPartPr/>
-              <p14:nvPr/>
-            </p14:nvContentPartPr>
-            <p14:xfrm>
-              <a:off x="3264928" y="4258734"/>
-              <a:ext cx="164880" cy="131400"/>
-            </p14:xfrm>
-          </p:contentPart>
-        </mc:Choice>
-        <mc:Fallback>
-          <p:pic>
-            <p:nvPicPr>
-              <p:cNvPr id="14" name="Freihand 13">
-                <a:extLst>
-                  <a:ext uri="{FF2B5EF4-FFF2-40B4-BE49-F238E27FC236}">
-                    <a16:creationId xmlns:a16="http://schemas.microsoft.com/office/drawing/2014/main" id="{3BEEEBA0-813A-C5D5-2D15-C0B72C52C728}"/>
-                  </a:ext>
-                </a:extLst>
-              </p:cNvPr>
-              <p:cNvPicPr/>
-              <p:nvPr/>
-            </p:nvPicPr>
-            <p:blipFill>
-              <a:blip r:embed="rId16"/>
-              <a:stretch>
-                <a:fillRect/>
-              </a:stretch>
-            </p:blipFill>
-            <p:spPr>
-              <a:xfrm>
-                <a:off x="3247288" y="4240734"/>
-                <a:ext cx="200520" cy="167040"/>
-              </a:xfrm>
-              <a:prstGeom prst="rect">
-                <a:avLst/>
-              </a:prstGeom>
-            </p:spPr>
-          </p:pic>
-        </mc:Fallback>
-      </mc:AlternateContent>
-      <p:sp>
-        <p:nvSpPr>
-          <p:cNvPr id="15" name="Textfeld 14">
-            <a:extLst>
-              <a:ext uri="{FF2B5EF4-FFF2-40B4-BE49-F238E27FC236}">
-                <a16:creationId xmlns:a16="http://schemas.microsoft.com/office/drawing/2014/main" id="{C3B77EA4-DF6B-0F8D-9D56-1F44C4AB097C}"/>
-              </a:ext>
-            </a:extLst>
-          </p:cNvPr>
-          <p:cNvSpPr txBox="1"/>
-          <p:nvPr/>
-        </p:nvSpPr>
-        <p:spPr>
-          <a:xfrm>
-            <a:off x="3195628" y="4704840"/>
-            <a:ext cx="2332896" cy="2062103"/>
-          </a:xfrm>
-          <a:prstGeom prst="rect">
-            <a:avLst/>
-          </a:prstGeom>
-          <a:noFill/>
-        </p:spPr>
-        <p:txBody>
-          <a:bodyPr wrap="square" rtlCol="0">
-            <a:spAutoFit/>
-          </a:bodyPr>
-          <a:lstStyle/>
-          <a:p>
-            <a:r>
-              <a:rPr lang="de-CH" sz="1600" b="1" dirty="0"/>
-              <a:t>Nutzen auf Webseite</a:t>
-            </a:r>
-          </a:p>
-          <a:p>
-            <a:r>
+              <a:t>Fridolin erwartet, dass unsere Webseite nicht seine Kreditkarten-Informationen klaut.</a:t>
+            </a:r>
+            <a:br>
               <a:rPr lang="de-CH" sz="1600" dirty="0"/>
-              <a:t>Fridolin will auf unserer neue Fussuntersätze für einen </a:t>
-            </a:r>
-            <a:r>
-              <a:rPr lang="de-CH" sz="1600" dirty="0" err="1"/>
-              <a:t>Schnapperpreis</a:t>
-            </a:r>
+            </a:br>
             <a:r>
               <a:rPr lang="de-CH" sz="1600" dirty="0"/>
-              <a:t> abstauben. Dabei erhofft er sich, dass ihm der Text auf der Seite vorgelesen wird.</a:t>
+              <a:t>Ausserdem erhofft er sich tiefe Preis.</a:t>
             </a:r>
           </a:p>
         </p:txBody>
